--- a/第九章 Spark推荐系统案例实战.pptx
+++ b/第九章 Spark推荐系统案例实战.pptx
@@ -125,7 +125,7 @@
   </p:defaultTextStyle>
   <p:extLst>
     <p:ext uri="{EFAFB233-063F-42B5-8137-9DF3F51BA10A}">
-      <p15:sldGuideLst xmlns:p15="http://schemas.microsoft.com/office/powerpoint/2012/main" xmlns="">
+      <p15:sldGuideLst xmlns:p15="http://schemas.microsoft.com/office/powerpoint/2012/main">
         <p15:guide id="1" orient="horz" pos="2160">
           <p15:clr>
             <a:srgbClr val="A4A3A4"/>
@@ -224,7 +224,7 @@
           <a:p>
             <a:fld id="{EBA7462B-154F-E647-9BF2-E8B82EB7C5D0}" type="datetimeFigureOut">
               <a:rPr kumimoji="1" lang="zh-CN" altLang="en-US" smtClean="0"/>
-              <a:t>19/12/19</a:t>
+              <a:t>2020/2/8</a:t>
             </a:fld>
             <a:endParaRPr kumimoji="1" lang="zh-CN" altLang="en-US"/>
           </a:p>
@@ -4746,7 +4746,7 @@
   </p:txStyles>
   <p:extLst>
     <p:ext uri="{27BBF7A9-308A-43DC-89C8-2F10F3537804}">
-      <p15:sldGuideLst xmlns:p15="http://schemas.microsoft.com/office/powerpoint/2012/main" xmlns=""/>
+      <p15:sldGuideLst xmlns:p15="http://schemas.microsoft.com/office/powerpoint/2012/main"/>
     </p:ext>
   </p:extLst>
 </p:sldMaster>
@@ -6064,23 +6064,7 @@
                   <a:schemeClr val="bg1"/>
                 </a:solidFill>
               </a:rPr>
-              <a:t>第</a:t>
-            </a:r>
-            <a:r>
-              <a:rPr kumimoji="1" lang="zh-CN" altLang="en-US" sz="5400" dirty="0">
-                <a:solidFill>
-                  <a:schemeClr val="bg1"/>
-                </a:solidFill>
-              </a:rPr>
-              <a:t>九</a:t>
-            </a:r>
-            <a:r>
-              <a:rPr kumimoji="1" lang="zh-CN" altLang="en-US" sz="5400" dirty="0">
-                <a:solidFill>
-                  <a:schemeClr val="bg1"/>
-                </a:solidFill>
-              </a:rPr>
-              <a:t>章 </a:t>
+              <a:t>第九章 </a:t>
             </a:r>
             <a:r>
               <a:rPr kumimoji="1" lang="en-US" altLang="zh-CN" sz="5400" dirty="0">
@@ -6167,7 +6151,7 @@
   <p:clrMapOvr>
     <a:masterClrMapping/>
   </p:clrMapOvr>
-  <p:transition xmlns:p14="http://schemas.microsoft.com/office/powerpoint/2010/main" spd="med" advClick="0" advTm="1000">
+  <p:transition spd="med" advClick="0" advTm="1000">
     <p:fade/>
   </p:transition>
 </p:sld>
@@ -6235,12 +6219,6 @@
                 </a:rPr>
                 <a:t>获取训练数据</a:t>
               </a:r>
-              <a:endParaRPr lang="zh-CN" altLang="en-US" sz="2400" b="1" dirty="0">
-                <a:solidFill>
-                  <a:prstClr val="white"/>
-                </a:solidFill>
-                <a:latin typeface="+mn-ea"/>
-              </a:endParaRPr>
             </a:p>
           </p:txBody>
         </p:sp>
@@ -6343,14 +6321,6 @@
               </a:rPr>
               <a:t>：</a:t>
             </a:r>
-            <a:r>
-              <a:rPr lang="en-US" altLang="zh-CN">
-                <a:solidFill>
-                  <a:srgbClr val="FFFFFF"/>
-                </a:solidFill>
-              </a:rPr>
-              <a:t/>
-            </a:r>
             <a:br>
               <a:rPr lang="en-US" altLang="zh-CN">
                 <a:solidFill>
@@ -6373,14 +6343,6 @@
                 </a:solidFill>
               </a:rPr>
             </a:br>
-            <a:r>
-              <a:rPr lang="en-US" altLang="zh-CN">
-                <a:solidFill>
-                  <a:srgbClr val="FFFFFF"/>
-                </a:solidFill>
-              </a:rPr>
-              <a:t/>
-            </a:r>
             <a:br>
               <a:rPr lang="en-US" altLang="zh-CN">
                 <a:solidFill>
@@ -6463,14 +6425,6 @@
                 </a:solidFill>
               </a:rPr>
             </a:br>
-            <a:r>
-              <a:rPr lang="en-US" altLang="zh-CN">
-                <a:solidFill>
-                  <a:srgbClr val="FFFFFF"/>
-                </a:solidFill>
-              </a:rPr>
-              <a:t/>
-            </a:r>
             <a:br>
               <a:rPr lang="en-US" altLang="zh-CN">
                 <a:solidFill>
@@ -6485,14 +6439,6 @@
                 </a:solidFill>
               </a:rPr>
               <a:t>显示一条数据</a:t>
-            </a:r>
-            <a:r>
-              <a:rPr lang="en-US" altLang="zh-CN">
-                <a:solidFill>
-                  <a:srgbClr val="FFFFFF"/>
-                </a:solidFill>
-              </a:rPr>
-              <a:t/>
             </a:r>
             <a:br>
               <a:rPr lang="en-US" altLang="zh-CN">
@@ -6516,14 +6462,6 @@
             </a:endParaRPr>
           </a:p>
           <a:p>
-            <a:r>
-              <a:rPr lang="en-US" altLang="zh-CN">
-                <a:solidFill>
-                  <a:srgbClr val="FFFFFF"/>
-                </a:solidFill>
-              </a:rPr>
-              <a:t/>
-            </a:r>
             <a:br>
               <a:rPr lang="en-US" altLang="zh-CN">
                 <a:solidFill>
@@ -6567,16 +6505,9 @@
   <p:clrMapOvr>
     <a:masterClrMapping/>
   </p:clrMapOvr>
-  <p:transition xmlns:p14="http://schemas.microsoft.com/office/powerpoint/2010/main" spd="med" advClick="0" advTm="1000">
+  <p:transition spd="med" advClick="0" advTm="1000">
     <p:fade/>
   </p:transition>
-  <p:timing>
-    <p:tnLst>
-      <p:par>
-        <p:cTn xmlns:p14="http://schemas.microsoft.com/office/powerpoint/2010/main" id="1" dur="indefinite" restart="never" nodeType="tmRoot"/>
-      </p:par>
-    </p:tnLst>
-  </p:timing>
 </p:sld>
 </file>
 
@@ -6642,12 +6573,6 @@
                 </a:rPr>
                 <a:t>构建训练集</a:t>
               </a:r>
-              <a:endParaRPr lang="zh-CN" altLang="en-US" sz="2400" b="1" dirty="0">
-                <a:solidFill>
-                  <a:prstClr val="white"/>
-                </a:solidFill>
-                <a:latin typeface="+mn-ea"/>
-              </a:endParaRPr>
             </a:p>
           </p:txBody>
         </p:sp>
@@ -6785,14 +6710,6 @@
             </a:r>
           </a:p>
           <a:p>
-            <a:r>
-              <a:rPr lang="en-US" altLang="zh-CN">
-                <a:solidFill>
-                  <a:srgbClr val="FFFFFF"/>
-                </a:solidFill>
-              </a:rPr>
-              <a:t/>
-            </a:r>
             <a:br>
               <a:rPr lang="en-US" altLang="zh-CN">
                 <a:solidFill>
@@ -6908,16 +6825,9 @@
   <p:clrMapOvr>
     <a:masterClrMapping/>
   </p:clrMapOvr>
-  <p:transition xmlns:p14="http://schemas.microsoft.com/office/powerpoint/2010/main" spd="med" advClick="0" advTm="1000">
+  <p:transition spd="med" advClick="0" advTm="1000">
     <p:fade/>
   </p:transition>
-  <p:timing>
-    <p:tnLst>
-      <p:par>
-        <p:cTn xmlns:p14="http://schemas.microsoft.com/office/powerpoint/2010/main" id="1" dur="indefinite" restart="never" nodeType="tmRoot"/>
-      </p:par>
-    </p:tnLst>
-  </p:timing>
 </p:sld>
 </file>
 
@@ -7001,12 +6911,6 @@
                 </a:rPr>
                 <a:t>模型</a:t>
               </a:r>
-              <a:endParaRPr lang="zh-CN" altLang="en-US" sz="2400" b="1" dirty="0">
-                <a:solidFill>
-                  <a:prstClr val="white"/>
-                </a:solidFill>
-                <a:latin typeface="+mn-ea"/>
-              </a:endParaRPr>
             </a:p>
           </p:txBody>
         </p:sp>
@@ -7078,14 +6982,6 @@
               </a:rPr>
               <a:t>训练模型</a:t>
             </a:r>
-            <a:r>
-              <a:rPr lang="en-US" altLang="zh-CN">
-                <a:solidFill>
-                  <a:srgbClr val="FFFFFF"/>
-                </a:solidFill>
-              </a:rPr>
-              <a:t/>
-            </a:r>
             <a:br>
               <a:rPr lang="en-US" altLang="zh-CN">
                 <a:solidFill>
@@ -7149,14 +7045,6 @@
               </a:rPr>
               <a:t>算法接收三个参数：</a:t>
             </a:r>
-            <a:r>
-              <a:rPr lang="en-US" altLang="zh-CN">
-                <a:solidFill>
-                  <a:srgbClr val="FFFFFF"/>
-                </a:solidFill>
-              </a:rPr>
-              <a:t/>
-            </a:r>
             <a:br>
               <a:rPr lang="en-US" altLang="zh-CN">
                 <a:solidFill>
@@ -7196,14 +7084,6 @@
               </a:rPr>
               <a:t>；</a:t>
             </a:r>
-            <a:r>
-              <a:rPr lang="en-US" altLang="zh-CN">
-                <a:solidFill>
-                  <a:srgbClr val="FFFFFF"/>
-                </a:solidFill>
-              </a:rPr>
-              <a:t/>
-            </a:r>
             <a:br>
               <a:rPr lang="en-US" altLang="zh-CN">
                 <a:solidFill>
@@ -7243,14 +7123,6 @@
               </a:rPr>
               <a:t>就够了；</a:t>
             </a:r>
-            <a:r>
-              <a:rPr lang="en-US" altLang="zh-CN">
-                <a:solidFill>
-                  <a:srgbClr val="FFFFFF"/>
-                </a:solidFill>
-              </a:rPr>
-              <a:t/>
-            </a:r>
             <a:br>
               <a:rPr lang="en-US" altLang="zh-CN">
                 <a:solidFill>
@@ -7290,14 +7162,6 @@
               </a:rPr>
               <a:t>。</a:t>
             </a:r>
-            <a:r>
-              <a:rPr lang="en-US" altLang="zh-CN">
-                <a:solidFill>
-                  <a:srgbClr val="FFFFFF"/>
-                </a:solidFill>
-              </a:rPr>
-              <a:t/>
-            </a:r>
             <a:br>
               <a:rPr lang="en-US" altLang="zh-CN">
                 <a:solidFill>
@@ -7305,14 +7169,6 @@
                 </a:solidFill>
               </a:rPr>
             </a:br>
-            <a:r>
-              <a:rPr lang="en-US" altLang="zh-CN">
-                <a:solidFill>
-                  <a:srgbClr val="FFFFFF"/>
-                </a:solidFill>
-              </a:rPr>
-              <a:t/>
-            </a:r>
             <a:br>
               <a:rPr lang="en-US" altLang="zh-CN">
                 <a:solidFill>
@@ -7344,14 +7200,6 @@
               </a:rPr>
               <a:t>训练：</a:t>
             </a:r>
-            <a:r>
-              <a:rPr lang="en-US" altLang="zh-CN">
-                <a:solidFill>
-                  <a:srgbClr val="FFFFFF"/>
-                </a:solidFill>
-              </a:rPr>
-              <a:t/>
-            </a:r>
             <a:br>
               <a:rPr lang="en-US" altLang="zh-CN">
                 <a:solidFill>
@@ -7359,14 +7207,6 @@
                 </a:solidFill>
               </a:rPr>
             </a:br>
-            <a:r>
-              <a:rPr lang="en-US" altLang="zh-CN">
-                <a:solidFill>
-                  <a:srgbClr val="FFFFFF"/>
-                </a:solidFill>
-              </a:rPr>
-              <a:t/>
-            </a:r>
             <a:br>
               <a:rPr lang="en-US" altLang="zh-CN">
                 <a:solidFill>
@@ -7572,16 +7412,9 @@
   <p:clrMapOvr>
     <a:masterClrMapping/>
   </p:clrMapOvr>
-  <p:transition xmlns:p14="http://schemas.microsoft.com/office/powerpoint/2010/main" spd="med" advClick="0" advTm="1000">
+  <p:transition spd="med" advClick="0" advTm="1000">
     <p:fade/>
   </p:transition>
-  <p:timing>
-    <p:tnLst>
-      <p:par>
-        <p:cTn xmlns:p14="http://schemas.microsoft.com/office/powerpoint/2010/main" id="1" dur="indefinite" restart="never" nodeType="tmRoot"/>
-      </p:par>
-    </p:tnLst>
-  </p:timing>
 </p:sld>
 </file>
 
@@ -7647,12 +7480,6 @@
                 </a:rPr>
                 <a:t>模型预测评分</a:t>
               </a:r>
-              <a:endParaRPr lang="zh-CN" altLang="en-US" sz="2400" b="1" dirty="0">
-                <a:solidFill>
-                  <a:prstClr val="white"/>
-                </a:solidFill>
-                <a:latin typeface="+mn-ea"/>
-              </a:endParaRPr>
             </a:p>
           </p:txBody>
         </p:sp>
@@ -7761,14 +7588,6 @@
                 </a:solidFill>
               </a:rPr>
             </a:br>
-            <a:r>
-              <a:rPr lang="en-US" altLang="zh-CN">
-                <a:solidFill>
-                  <a:srgbClr val="FFFFFF"/>
-                </a:solidFill>
-              </a:rPr>
-              <a:t/>
-            </a:r>
             <a:br>
               <a:rPr lang="en-US" altLang="zh-CN">
                 <a:solidFill>
@@ -7800,14 +7619,6 @@
               </a:rPr>
               <a:t>模型进行预测</a:t>
             </a:r>
-            <a:r>
-              <a:rPr lang="en-US" altLang="zh-CN">
-                <a:solidFill>
-                  <a:srgbClr val="FFFFFF"/>
-                </a:solidFill>
-              </a:rPr>
-              <a:t/>
-            </a:r>
             <a:br>
               <a:rPr lang="en-US" altLang="zh-CN">
                 <a:solidFill>
@@ -7855,14 +7666,6 @@
               </a:rPr>
               <a:t>的评分</a:t>
             </a:r>
-            <a:r>
-              <a:rPr lang="en-US" altLang="zh-CN">
-                <a:solidFill>
-                  <a:srgbClr val="FFFFFF"/>
-                </a:solidFill>
-              </a:rPr>
-              <a:t/>
-            </a:r>
             <a:br>
               <a:rPr lang="en-US" altLang="zh-CN">
                 <a:solidFill>
@@ -7885,14 +7688,6 @@
                 </a:solidFill>
               </a:rPr>
             </a:br>
-            <a:r>
-              <a:rPr lang="en-US" altLang="zh-CN">
-                <a:solidFill>
-                  <a:srgbClr val="FFFFFF"/>
-                </a:solidFill>
-              </a:rPr>
-              <a:t/>
-            </a:r>
             <a:br>
               <a:rPr lang="en-US" altLang="zh-CN">
                 <a:solidFill>
@@ -7939,14 +7734,6 @@
                 </a:solidFill>
               </a:rPr>
               <a:t>个物品</a:t>
-            </a:r>
-            <a:r>
-              <a:rPr lang="en-US" altLang="zh-CN">
-                <a:solidFill>
-                  <a:srgbClr val="FFFFFF"/>
-                </a:solidFill>
-              </a:rPr>
-              <a:t/>
             </a:r>
             <a:br>
               <a:rPr lang="en-US" altLang="zh-CN">
@@ -8003,16 +7790,9 @@
   <p:clrMapOvr>
     <a:masterClrMapping/>
   </p:clrMapOvr>
-  <p:transition xmlns:p14="http://schemas.microsoft.com/office/powerpoint/2010/main" spd="med" advClick="0" advTm="1000">
+  <p:transition spd="med" advClick="0" advTm="1000">
     <p:fade/>
   </p:transition>
-  <p:timing>
-    <p:tnLst>
-      <p:par>
-        <p:cTn xmlns:p14="http://schemas.microsoft.com/office/powerpoint/2010/main" id="1" dur="indefinite" restart="never" nodeType="tmRoot"/>
-      </p:par>
-    </p:tnLst>
-  </p:timing>
 </p:sld>
 </file>
 
@@ -8078,12 +7858,6 @@
                 </a:rPr>
                 <a:t>获取推荐结果</a:t>
               </a:r>
-              <a:endParaRPr lang="zh-CN" altLang="en-US" sz="2400" b="1" dirty="0">
-                <a:solidFill>
-                  <a:prstClr val="white"/>
-                </a:solidFill>
-                <a:latin typeface="+mn-ea"/>
-              </a:endParaRPr>
             </a:p>
           </p:txBody>
         </p:sp>
@@ -8195,14 +7969,6 @@
               </a:rPr>
               <a:t>推荐的结果</a:t>
             </a:r>
-            <a:r>
-              <a:rPr lang="en-US" altLang="zh-CN">
-                <a:solidFill>
-                  <a:srgbClr val="FFFFFF"/>
-                </a:solidFill>
-              </a:rPr>
-              <a:t/>
-            </a:r>
             <a:br>
               <a:rPr lang="en-US" altLang="zh-CN">
                 <a:solidFill>
@@ -8225,14 +7991,6 @@
                 </a:solidFill>
               </a:rPr>
             </a:br>
-            <a:r>
-              <a:rPr lang="en-US" altLang="zh-CN">
-                <a:solidFill>
-                  <a:srgbClr val="FFFFFF"/>
-                </a:solidFill>
-              </a:rPr>
-              <a:t/>
-            </a:r>
             <a:br>
               <a:rPr lang="en-US" altLang="zh-CN">
                 <a:solidFill>
@@ -8263,14 +8021,6 @@
                 </a:solidFill>
               </a:rPr>
               <a:t>个电影</a:t>
-            </a:r>
-            <a:r>
-              <a:rPr lang="en-US" altLang="zh-CN">
-                <a:solidFill>
-                  <a:srgbClr val="FFFFFF"/>
-                </a:solidFill>
-              </a:rPr>
-              <a:t/>
             </a:r>
             <a:br>
               <a:rPr lang="en-US" altLang="zh-CN">
@@ -8314,16 +8064,9 @@
   <p:clrMapOvr>
     <a:masterClrMapping/>
   </p:clrMapOvr>
-  <p:transition xmlns:p14="http://schemas.microsoft.com/office/powerpoint/2010/main" spd="med" advClick="0" advTm="1000">
+  <p:transition spd="med" advClick="0" advTm="1000">
     <p:fade/>
   </p:transition>
-  <p:timing>
-    <p:tnLst>
-      <p:par>
-        <p:cTn xmlns:p14="http://schemas.microsoft.com/office/powerpoint/2010/main" id="1" dur="indefinite" restart="never" nodeType="tmRoot"/>
-      </p:par>
-    </p:tnLst>
-  </p:timing>
 </p:sld>
 </file>
 
@@ -8389,12 +8132,6 @@
                 </a:rPr>
                 <a:t>相似物品计算</a:t>
               </a:r>
-              <a:endParaRPr lang="zh-CN" altLang="en-US" sz="2400" b="1" dirty="0">
-                <a:solidFill>
-                  <a:prstClr val="white"/>
-                </a:solidFill>
-                <a:latin typeface="+mn-ea"/>
-              </a:endParaRPr>
             </a:p>
           </p:txBody>
         </p:sp>
@@ -8607,16 +8344,9 @@
   <p:clrMapOvr>
     <a:masterClrMapping/>
   </p:clrMapOvr>
-  <p:transition xmlns:p14="http://schemas.microsoft.com/office/powerpoint/2010/main" spd="med" advClick="0" advTm="1000">
+  <p:transition spd="med" advClick="0" advTm="1000">
     <p:fade/>
   </p:transition>
-  <p:timing>
-    <p:tnLst>
-      <p:par>
-        <p:cTn xmlns:p14="http://schemas.microsoft.com/office/powerpoint/2010/main" id="1" dur="indefinite" restart="never" nodeType="tmRoot"/>
-      </p:par>
-    </p:tnLst>
-  </p:timing>
 </p:sld>
 </file>
 
@@ -8682,12 +8412,6 @@
                 </a:rPr>
                 <a:t>相似用户计算</a:t>
               </a:r>
-              <a:endParaRPr lang="zh-CN" altLang="en-US" sz="2400" b="1" dirty="0">
-                <a:solidFill>
-                  <a:prstClr val="white"/>
-                </a:solidFill>
-                <a:latin typeface="+mn-ea"/>
-              </a:endParaRPr>
             </a:p>
           </p:txBody>
         </p:sp>
@@ -8739,16 +8463,9 @@
   <p:clrMapOvr>
     <a:masterClrMapping/>
   </p:clrMapOvr>
-  <p:transition xmlns:p14="http://schemas.microsoft.com/office/powerpoint/2010/main" spd="med" advClick="0" advTm="1000">
+  <p:transition spd="med" advClick="0" advTm="1000">
     <p:fade/>
   </p:transition>
-  <p:timing>
-    <p:tnLst>
-      <p:par>
-        <p:cTn xmlns:p14="http://schemas.microsoft.com/office/powerpoint/2010/main" id="1" dur="indefinite" restart="never" nodeType="tmRoot"/>
-      </p:par>
-    </p:tnLst>
-  </p:timing>
 </p:sld>
 </file>
 
@@ -8862,16 +8579,9 @@
   <p:clrMapOvr>
     <a:masterClrMapping/>
   </p:clrMapOvr>
-  <p:transition xmlns:p14="http://schemas.microsoft.com/office/powerpoint/2010/main" spd="med" advClick="0" advTm="1000">
+  <p:transition spd="med" advClick="0" advTm="1000">
     <p:fade/>
   </p:transition>
-  <p:timing>
-    <p:tnLst>
-      <p:par>
-        <p:cTn xmlns:p14="http://schemas.microsoft.com/office/powerpoint/2010/main" id="1" dur="indefinite" restart="never" nodeType="tmRoot"/>
-      </p:par>
-    </p:tnLst>
-  </p:timing>
 </p:sld>
 </file>
 
@@ -12416,13 +12126,6 @@
                 </a:rPr>
                 <a:t>机器学习库</a:t>
               </a:r>
-              <a:endParaRPr lang="zh-CN" altLang="en-US" sz="2400" b="1" dirty="0">
-                <a:solidFill>
-                  <a:schemeClr val="bg1"/>
-                </a:solidFill>
-                <a:latin typeface="微软雅黑" panose="020B0503020204020204" pitchFamily="34" charset="-122"/>
-                <a:ea typeface="微软雅黑" panose="020B0503020204020204" pitchFamily="34" charset="-122"/>
-              </a:endParaRPr>
             </a:p>
           </p:txBody>
         </p:sp>
@@ -12556,13 +12259,6 @@
                 </a:rPr>
                 <a:t>算法</a:t>
               </a:r>
-              <a:endParaRPr lang="zh-CN" altLang="en-US" sz="2400" b="1" dirty="0">
-                <a:solidFill>
-                  <a:schemeClr val="bg1"/>
-                </a:solidFill>
-                <a:latin typeface="微软雅黑" panose="020B0503020204020204" pitchFamily="34" charset="-122"/>
-                <a:ea typeface="微软雅黑" panose="020B0503020204020204" pitchFamily="34" charset="-122"/>
-              </a:endParaRPr>
             </a:p>
           </p:txBody>
         </p:sp>
@@ -12572,7 +12268,7 @@
           <p:cNvPr id="103" name="椭圆 102">
             <a:extLst>
               <a:ext uri="{FF2B5EF4-FFF2-40B4-BE49-F238E27FC236}">
-                <a16:creationId xmlns:a16="http://schemas.microsoft.com/office/drawing/2014/main" xmlns="" id="{D96E7E03-C567-A74E-9ECC-5E9306B65724}"/>
+                <a16:creationId xmlns:a16="http://schemas.microsoft.com/office/drawing/2014/main" id="{D96E7E03-C567-A74E-9ECC-5E9306B65724}"/>
               </a:ext>
             </a:extLst>
           </p:cNvPr>
@@ -12648,7 +12344,7 @@
           <p:cNvPr id="106" name="椭圆 105">
             <a:extLst>
               <a:ext uri="{FF2B5EF4-FFF2-40B4-BE49-F238E27FC236}">
-                <a16:creationId xmlns:a16="http://schemas.microsoft.com/office/drawing/2014/main" xmlns="" id="{EA33DAE6-0C9C-234D-AD5B-69432AB71103}"/>
+                <a16:creationId xmlns:a16="http://schemas.microsoft.com/office/drawing/2014/main" id="{EA33DAE6-0C9C-234D-AD5B-69432AB71103}"/>
               </a:ext>
             </a:extLst>
           </p:cNvPr>
@@ -12724,7 +12420,7 @@
           <p:cNvPr id="112" name="组合 111">
             <a:extLst>
               <a:ext uri="{FF2B5EF4-FFF2-40B4-BE49-F238E27FC236}">
-                <a16:creationId xmlns:a16="http://schemas.microsoft.com/office/drawing/2014/main" xmlns="" id="{90112C03-6C47-A44B-8DCA-D875C087286E}"/>
+                <a16:creationId xmlns:a16="http://schemas.microsoft.com/office/drawing/2014/main" id="{90112C03-6C47-A44B-8DCA-D875C087286E}"/>
               </a:ext>
             </a:extLst>
           </p:cNvPr>
@@ -12744,7 +12440,7 @@
             <p:cNvPr id="119" name="矩形 118">
               <a:extLst>
                 <a:ext uri="{FF2B5EF4-FFF2-40B4-BE49-F238E27FC236}">
-                  <a16:creationId xmlns:a16="http://schemas.microsoft.com/office/drawing/2014/main" xmlns="" id="{FA2FD451-E459-7C41-9853-04461289D502}"/>
+                  <a16:creationId xmlns:a16="http://schemas.microsoft.com/office/drawing/2014/main" id="{FA2FD451-E459-7C41-9853-04461289D502}"/>
                 </a:ext>
               </a:extLst>
             </p:cNvPr>
@@ -12799,7 +12495,7 @@
             <p:cNvPr id="120" name="文本框 119">
               <a:extLst>
                 <a:ext uri="{FF2B5EF4-FFF2-40B4-BE49-F238E27FC236}">
-                  <a16:creationId xmlns:a16="http://schemas.microsoft.com/office/drawing/2014/main" xmlns="" id="{EDA182E2-4EF7-504F-A3A0-2C841D0F57CC}"/>
+                  <a16:creationId xmlns:a16="http://schemas.microsoft.com/office/drawing/2014/main" id="{EDA182E2-4EF7-504F-A3A0-2C841D0F57CC}"/>
                 </a:ext>
               </a:extLst>
             </p:cNvPr>
@@ -12852,7 +12548,7 @@
           <p:cNvPr id="121" name="组合 120">
             <a:extLst>
               <a:ext uri="{FF2B5EF4-FFF2-40B4-BE49-F238E27FC236}">
-                <a16:creationId xmlns:a16="http://schemas.microsoft.com/office/drawing/2014/main" xmlns="" id="{1F0BA7F7-01BA-3B41-B9BA-D76FCE3B6071}"/>
+                <a16:creationId xmlns:a16="http://schemas.microsoft.com/office/drawing/2014/main" id="{1F0BA7F7-01BA-3B41-B9BA-D76FCE3B6071}"/>
               </a:ext>
             </a:extLst>
           </p:cNvPr>
@@ -12872,7 +12568,7 @@
             <p:cNvPr id="122" name="矩形 121">
               <a:extLst>
                 <a:ext uri="{FF2B5EF4-FFF2-40B4-BE49-F238E27FC236}">
-                  <a16:creationId xmlns:a16="http://schemas.microsoft.com/office/drawing/2014/main" xmlns="" id="{141D0133-8692-9649-A273-7A02A2B74EC3}"/>
+                  <a16:creationId xmlns:a16="http://schemas.microsoft.com/office/drawing/2014/main" id="{141D0133-8692-9649-A273-7A02A2B74EC3}"/>
                 </a:ext>
               </a:extLst>
             </p:cNvPr>
@@ -12927,7 +12623,7 @@
             <p:cNvPr id="131" name="文本框 130">
               <a:extLst>
                 <a:ext uri="{FF2B5EF4-FFF2-40B4-BE49-F238E27FC236}">
-                  <a16:creationId xmlns:a16="http://schemas.microsoft.com/office/drawing/2014/main" xmlns="" id="{C513544E-A3E4-104E-8E3A-C0B6B2E07EF0}"/>
+                  <a16:creationId xmlns:a16="http://schemas.microsoft.com/office/drawing/2014/main" id="{C513544E-A3E4-104E-8E3A-C0B6B2E07EF0}"/>
                 </a:ext>
               </a:extLst>
             </p:cNvPr>
@@ -12964,13 +12660,6 @@
                 </a:rPr>
                 <a:t>计算物品相似度</a:t>
               </a:r>
-              <a:endParaRPr lang="zh-CN" altLang="en-US" sz="2400" b="1" dirty="0">
-                <a:solidFill>
-                  <a:schemeClr val="bg1"/>
-                </a:solidFill>
-                <a:latin typeface="微软雅黑" panose="020B0503020204020204" pitchFamily="34" charset="-122"/>
-                <a:ea typeface="微软雅黑" panose="020B0503020204020204" pitchFamily="34" charset="-122"/>
-              </a:endParaRPr>
             </a:p>
           </p:txBody>
         </p:sp>
@@ -12980,7 +12669,7 @@
           <p:cNvPr id="89" name="椭圆 88">
             <a:extLst>
               <a:ext uri="{FF2B5EF4-FFF2-40B4-BE49-F238E27FC236}">
-                <a16:creationId xmlns:a16="http://schemas.microsoft.com/office/drawing/2014/main" xmlns="" id="{EA33DAE6-0C9C-234D-AD5B-69432AB71103}"/>
+                <a16:creationId xmlns:a16="http://schemas.microsoft.com/office/drawing/2014/main" id="{EA33DAE6-0C9C-234D-AD5B-69432AB71103}"/>
               </a:ext>
             </a:extLst>
           </p:cNvPr>
@@ -13056,7 +12745,7 @@
           <p:cNvPr id="92" name="组合 120">
             <a:extLst>
               <a:ext uri="{FF2B5EF4-FFF2-40B4-BE49-F238E27FC236}">
-                <a16:creationId xmlns:a16="http://schemas.microsoft.com/office/drawing/2014/main" xmlns="" id="{1F0BA7F7-01BA-3B41-B9BA-D76FCE3B6071}"/>
+                <a16:creationId xmlns:a16="http://schemas.microsoft.com/office/drawing/2014/main" id="{1F0BA7F7-01BA-3B41-B9BA-D76FCE3B6071}"/>
               </a:ext>
             </a:extLst>
           </p:cNvPr>
@@ -13076,7 +12765,7 @@
             <p:cNvPr id="93" name="矩形 92">
               <a:extLst>
                 <a:ext uri="{FF2B5EF4-FFF2-40B4-BE49-F238E27FC236}">
-                  <a16:creationId xmlns:a16="http://schemas.microsoft.com/office/drawing/2014/main" xmlns="" id="{141D0133-8692-9649-A273-7A02A2B74EC3}"/>
+                  <a16:creationId xmlns:a16="http://schemas.microsoft.com/office/drawing/2014/main" id="{141D0133-8692-9649-A273-7A02A2B74EC3}"/>
                 </a:ext>
               </a:extLst>
             </p:cNvPr>
@@ -13131,7 +12820,7 @@
             <p:cNvPr id="94" name="文本框 93">
               <a:extLst>
                 <a:ext uri="{FF2B5EF4-FFF2-40B4-BE49-F238E27FC236}">
-                  <a16:creationId xmlns:a16="http://schemas.microsoft.com/office/drawing/2014/main" xmlns="" id="{C513544E-A3E4-104E-8E3A-C0B6B2E07EF0}"/>
+                  <a16:creationId xmlns:a16="http://schemas.microsoft.com/office/drawing/2014/main" id="{C513544E-A3E4-104E-8E3A-C0B6B2E07EF0}"/>
                 </a:ext>
               </a:extLst>
             </p:cNvPr>
@@ -13168,13 +12857,6 @@
                 </a:rPr>
                 <a:t>推荐模型</a:t>
               </a:r>
-              <a:endParaRPr lang="zh-CN" altLang="en-US" sz="2400" b="1" dirty="0">
-                <a:solidFill>
-                  <a:schemeClr val="bg1"/>
-                </a:solidFill>
-                <a:latin typeface="微软雅黑" panose="020B0503020204020204" pitchFamily="34" charset="-122"/>
-                <a:ea typeface="微软雅黑" panose="020B0503020204020204" pitchFamily="34" charset="-122"/>
-              </a:endParaRPr>
             </a:p>
           </p:txBody>
         </p:sp>
@@ -13189,13 +12871,13 @@
   <p:clrMapOvr>
     <a:masterClrMapping/>
   </p:clrMapOvr>
-  <p:transition xmlns:p14="http://schemas.microsoft.com/office/powerpoint/2010/main" spd="med" advClick="0" advTm="1000">
+  <p:transition spd="med" advClick="0" advTm="1000">
     <p:fade/>
   </p:transition>
   <p:timing>
     <p:tnLst>
       <p:par>
-        <p:cTn xmlns:p14="http://schemas.microsoft.com/office/powerpoint/2010/main" id="1" dur="indefinite" restart="never" nodeType="tmRoot">
+        <p:cTn id="1" dur="indefinite" restart="never" nodeType="tmRoot">
           <p:childTnLst>
             <p:seq concurrent="1" nextAc="seek">
               <p:cTn id="2" dur="indefinite" nodeType="mainSeq">
@@ -13690,14 +13372,6 @@
               </a:rPr>
               <a:t>机器学习库</a:t>
             </a:r>
-            <a:endParaRPr lang="zh-CN" altLang="en-US" sz="2400" b="1" dirty="0">
-              <a:solidFill>
-                <a:prstClr val="white"/>
-              </a:solidFill>
-              <a:latin typeface="+mn-ea"/>
-              <a:cs typeface="+mn-ea"/>
-              <a:sym typeface="+mn-lt"/>
-            </a:endParaRPr>
           </a:p>
         </p:txBody>
       </p:sp>
@@ -13706,7 +13380,7 @@
           <p:cNvPr id="2" name="文本框 1">
             <a:extLst>
               <a:ext uri="{FF2B5EF4-FFF2-40B4-BE49-F238E27FC236}">
-                <a16:creationId xmlns:a16="http://schemas.microsoft.com/office/drawing/2014/main" xmlns="" id="{D377A53E-725C-074E-B57D-9C9405BBAF96}"/>
+                <a16:creationId xmlns:a16="http://schemas.microsoft.com/office/drawing/2014/main" id="{D377A53E-725C-074E-B57D-9C9405BBAF96}"/>
               </a:ext>
             </a:extLst>
           </p:cNvPr>
@@ -13907,13 +13581,13 @@
   <p:clrMapOvr>
     <a:masterClrMapping/>
   </p:clrMapOvr>
-  <p:transition xmlns:p14="http://schemas.microsoft.com/office/powerpoint/2010/main" spd="med" advClick="0" advTm="1000">
+  <p:transition spd="med" advClick="0" advTm="1000">
     <p:fade/>
   </p:transition>
   <p:timing>
     <p:tnLst>
       <p:par>
-        <p:cTn xmlns:p14="http://schemas.microsoft.com/office/powerpoint/2010/main" id="1" dur="indefinite" restart="never" nodeType="tmRoot">
+        <p:cTn id="1" dur="indefinite" restart="never" nodeType="tmRoot">
           <p:childTnLst>
             <p:seq concurrent="1" nextAc="seek">
               <p:cTn id="2" dur="indefinite" nodeType="mainSeq">
@@ -14254,16 +13928,9 @@
   <p:clrMapOvr>
     <a:masterClrMapping/>
   </p:clrMapOvr>
-  <p:transition xmlns:p14="http://schemas.microsoft.com/office/powerpoint/2010/main" spd="med" advClick="0" advTm="1000">
+  <p:transition spd="med" advClick="0" advTm="1000">
     <p:fade/>
   </p:transition>
-  <p:timing>
-    <p:tnLst>
-      <p:par>
-        <p:cTn xmlns:p14="http://schemas.microsoft.com/office/powerpoint/2010/main" id="1" dur="indefinite" restart="never" nodeType="tmRoot"/>
-      </p:par>
-    </p:tnLst>
-  </p:timing>
 </p:sld>
 </file>
 
@@ -14601,13 +14268,13 @@
   <p:clrMapOvr>
     <a:masterClrMapping/>
   </p:clrMapOvr>
-  <p:transition xmlns:p14="http://schemas.microsoft.com/office/powerpoint/2010/main" spd="med" advClick="0" advTm="1000">
+  <p:transition spd="med" advClick="0" advTm="1000">
     <p:fade/>
   </p:transition>
   <p:timing>
     <p:tnLst>
       <p:par>
-        <p:cTn xmlns:p14="http://schemas.microsoft.com/office/powerpoint/2010/main" id="1" dur="indefinite" restart="never" nodeType="tmRoot">
+        <p:cTn id="1" dur="indefinite" restart="never" nodeType="tmRoot">
           <p:childTnLst>
             <p:seq concurrent="1" nextAc="seek">
               <p:cTn id="2" dur="indefinite" nodeType="mainSeq">
@@ -16292,7 +15959,7 @@
           <p:cNvPr id="5" name="文本框 4">
             <a:extLst>
               <a:ext uri="{FF2B5EF4-FFF2-40B4-BE49-F238E27FC236}">
-                <a16:creationId xmlns:a16="http://schemas.microsoft.com/office/drawing/2014/main" xmlns="" id="{41FB9F77-17BE-374D-A2DF-00315719A402}"/>
+                <a16:creationId xmlns:a16="http://schemas.microsoft.com/office/drawing/2014/main" id="{41FB9F77-17BE-374D-A2DF-00315719A402}"/>
               </a:ext>
             </a:extLst>
           </p:cNvPr>
@@ -16386,13 +16053,13 @@
   <p:clrMapOvr>
     <a:masterClrMapping/>
   </p:clrMapOvr>
-  <p:transition xmlns:p14="http://schemas.microsoft.com/office/powerpoint/2010/main" spd="med" advClick="0" advTm="1000">
+  <p:transition spd="med" advClick="0" advTm="1000">
     <p:fade/>
   </p:transition>
   <p:timing>
     <p:tnLst>
       <p:par>
-        <p:cTn xmlns:p14="http://schemas.microsoft.com/office/powerpoint/2010/main" id="1" dur="indefinite" restart="never" nodeType="tmRoot">
+        <p:cTn id="1" dur="indefinite" restart="never" nodeType="tmRoot">
           <p:childTnLst>
             <p:seq concurrent="1" nextAc="seek">
               <p:cTn id="2" dur="indefinite" nodeType="mainSeq">
@@ -16966,10 +16633,10 @@
                 <a:cs typeface="+mn-ea"/>
                 <a:sym typeface="+mn-lt"/>
               </a:rPr>
-              <a:t>第</a:t>
-            </a:r>
-            <a:r>
-              <a:rPr lang="zh-CN" altLang="en-US" sz="2400" b="1" dirty="0">
+              <a:t>第二节</a:t>
+            </a:r>
+            <a:r>
+              <a:rPr lang="zh-CN" altLang="zh-CN" sz="2400" b="1" dirty="0">
                 <a:solidFill>
                   <a:prstClr val="white"/>
                 </a:solidFill>
@@ -16977,10 +16644,10 @@
                 <a:cs typeface="+mn-ea"/>
                 <a:sym typeface="+mn-lt"/>
               </a:rPr>
-              <a:t>二</a:t>
-            </a:r>
-            <a:r>
-              <a:rPr lang="zh-CN" altLang="en-US" sz="2400" b="1" dirty="0">
+              <a:t> </a:t>
+            </a:r>
+            <a:r>
+              <a:rPr lang="en-US" altLang="zh-CN" sz="2400" b="1" dirty="0">
                 <a:solidFill>
                   <a:prstClr val="white"/>
                 </a:solidFill>
@@ -16988,10 +16655,10 @@
                 <a:cs typeface="+mn-ea"/>
                 <a:sym typeface="+mn-lt"/>
               </a:rPr>
-              <a:t>节</a:t>
-            </a:r>
-            <a:r>
-              <a:rPr lang="zh-CN" altLang="zh-CN" sz="2400" b="1" dirty="0">
+              <a:t>Spark</a:t>
+            </a:r>
+            <a:r>
+              <a:rPr lang="zh-CN" altLang="en-US" sz="2400" b="1" dirty="0">
                 <a:solidFill>
                   <a:prstClr val="white"/>
                 </a:solidFill>
@@ -17010,7 +16677,7 @@
                 <a:cs typeface="+mn-ea"/>
                 <a:sym typeface="+mn-lt"/>
               </a:rPr>
-              <a:t>Spark</a:t>
+              <a:t>ALS</a:t>
             </a:r>
             <a:r>
               <a:rPr lang="zh-CN" altLang="en-US" sz="2400" b="1" dirty="0">
@@ -17021,38 +16688,8 @@
                 <a:cs typeface="+mn-ea"/>
                 <a:sym typeface="+mn-lt"/>
               </a:rPr>
-              <a:t> </a:t>
-            </a:r>
-            <a:r>
-              <a:rPr lang="en-US" altLang="zh-CN" sz="2400" b="1" dirty="0">
-                <a:solidFill>
-                  <a:prstClr val="white"/>
-                </a:solidFill>
-                <a:latin typeface="+mn-ea"/>
-                <a:cs typeface="+mn-ea"/>
-                <a:sym typeface="+mn-lt"/>
-              </a:rPr>
-              <a:t>ALS</a:t>
-            </a:r>
-            <a:r>
-              <a:rPr lang="zh-CN" altLang="en-US" sz="2400" b="1" dirty="0">
-                <a:solidFill>
-                  <a:prstClr val="white"/>
-                </a:solidFill>
-                <a:latin typeface="+mn-ea"/>
-                <a:cs typeface="+mn-ea"/>
-                <a:sym typeface="+mn-lt"/>
-              </a:rPr>
               <a:t>推荐算法</a:t>
             </a:r>
-            <a:endParaRPr lang="zh-CN" altLang="en-US" sz="2400" b="1" dirty="0">
-              <a:solidFill>
-                <a:prstClr val="white"/>
-              </a:solidFill>
-              <a:latin typeface="+mn-ea"/>
-              <a:cs typeface="+mn-ea"/>
-              <a:sym typeface="+mn-lt"/>
-            </a:endParaRPr>
           </a:p>
         </p:txBody>
       </p:sp>
@@ -17061,7 +16698,7 @@
           <p:cNvPr id="2" name="文本框 1">
             <a:extLst>
               <a:ext uri="{FF2B5EF4-FFF2-40B4-BE49-F238E27FC236}">
-                <a16:creationId xmlns:a16="http://schemas.microsoft.com/office/drawing/2014/main" xmlns="" id="{D377A53E-725C-074E-B57D-9C9405BBAF96}"/>
+                <a16:creationId xmlns:a16="http://schemas.microsoft.com/office/drawing/2014/main" id="{D377A53E-725C-074E-B57D-9C9405BBAF96}"/>
               </a:ext>
             </a:extLst>
           </p:cNvPr>
@@ -17217,13 +16854,13 @@
   <p:clrMapOvr>
     <a:masterClrMapping/>
   </p:clrMapOvr>
-  <p:transition xmlns:p14="http://schemas.microsoft.com/office/powerpoint/2010/main" spd="med" advClick="0" advTm="1000">
+  <p:transition spd="med" advClick="0" advTm="1000">
     <p:fade/>
   </p:transition>
   <p:timing>
     <p:tnLst>
       <p:par>
-        <p:cTn xmlns:p14="http://schemas.microsoft.com/office/powerpoint/2010/main" id="1" dur="indefinite" restart="never" nodeType="tmRoot">
+        <p:cTn id="1" dur="indefinite" restart="never" nodeType="tmRoot">
           <p:childTnLst>
             <p:seq concurrent="1" nextAc="seek">
               <p:cTn id="2" dur="indefinite" nodeType="mainSeq">
@@ -17564,16 +17201,9 @@
   <p:clrMapOvr>
     <a:masterClrMapping/>
   </p:clrMapOvr>
-  <p:transition xmlns:p14="http://schemas.microsoft.com/office/powerpoint/2010/main" spd="med" advClick="0" advTm="1000">
+  <p:transition spd="med" advClick="0" advTm="1000">
     <p:fade/>
   </p:transition>
-  <p:timing>
-    <p:tnLst>
-      <p:par>
-        <p:cTn xmlns:p14="http://schemas.microsoft.com/office/powerpoint/2010/main" id="1" dur="indefinite" restart="never" nodeType="tmRoot"/>
-      </p:par>
-    </p:tnLst>
-  </p:timing>
 </p:sld>
 </file>
 
@@ -17628,10 +17258,10 @@
                 <a:cs typeface="+mn-ea"/>
                 <a:sym typeface="+mn-lt"/>
               </a:rPr>
-              <a:t>第</a:t>
-            </a:r>
-            <a:r>
-              <a:rPr lang="zh-CN" altLang="en-US" sz="2400" b="1" dirty="0">
+              <a:t>第三节</a:t>
+            </a:r>
+            <a:r>
+              <a:rPr lang="zh-CN" altLang="zh-CN" sz="2400" b="1" dirty="0">
                 <a:solidFill>
                   <a:prstClr val="white"/>
                 </a:solidFill>
@@ -17639,7 +17269,7 @@
                 <a:cs typeface="+mn-ea"/>
                 <a:sym typeface="+mn-lt"/>
               </a:rPr>
-              <a:t>三</a:t>
+              <a:t> </a:t>
             </a:r>
             <a:r>
               <a:rPr lang="zh-CN" altLang="en-US" sz="2400" b="1" dirty="0">
@@ -17650,10 +17280,10 @@
                 <a:cs typeface="+mn-ea"/>
                 <a:sym typeface="+mn-lt"/>
               </a:rPr>
-              <a:t>节</a:t>
-            </a:r>
-            <a:r>
-              <a:rPr lang="zh-CN" altLang="zh-CN" sz="2400" b="1" dirty="0">
+              <a:t>训练</a:t>
+            </a:r>
+            <a:r>
+              <a:rPr lang="en-US" altLang="zh-CN" sz="2400" b="1" dirty="0">
                 <a:solidFill>
                   <a:prstClr val="white"/>
                 </a:solidFill>
@@ -17661,7 +17291,7 @@
                 <a:cs typeface="+mn-ea"/>
                 <a:sym typeface="+mn-lt"/>
               </a:rPr>
-              <a:t> </a:t>
+              <a:t>ALS</a:t>
             </a:r>
             <a:r>
               <a:rPr lang="zh-CN" altLang="en-US" sz="2400" b="1" dirty="0">
@@ -17672,38 +17302,8 @@
                 <a:cs typeface="+mn-ea"/>
                 <a:sym typeface="+mn-lt"/>
               </a:rPr>
-              <a:t>训练</a:t>
-            </a:r>
-            <a:r>
-              <a:rPr lang="en-US" altLang="zh-CN" sz="2400" b="1" dirty="0">
-                <a:solidFill>
-                  <a:prstClr val="white"/>
-                </a:solidFill>
-                <a:latin typeface="+mn-ea"/>
-                <a:cs typeface="+mn-ea"/>
-                <a:sym typeface="+mn-lt"/>
-              </a:rPr>
-              <a:t>ALS</a:t>
-            </a:r>
-            <a:r>
-              <a:rPr lang="zh-CN" altLang="en-US" sz="2400" b="1" dirty="0">
-                <a:solidFill>
-                  <a:prstClr val="white"/>
-                </a:solidFill>
-                <a:latin typeface="+mn-ea"/>
-                <a:cs typeface="+mn-ea"/>
-                <a:sym typeface="+mn-lt"/>
-              </a:rPr>
               <a:t>推荐模型</a:t>
             </a:r>
-            <a:endParaRPr lang="zh-CN" altLang="en-US" sz="2400" b="1" dirty="0">
-              <a:solidFill>
-                <a:prstClr val="white"/>
-              </a:solidFill>
-              <a:latin typeface="+mn-ea"/>
-              <a:cs typeface="+mn-ea"/>
-              <a:sym typeface="+mn-lt"/>
-            </a:endParaRPr>
           </a:p>
         </p:txBody>
       </p:sp>
@@ -17712,7 +17312,7 @@
           <p:cNvPr id="2" name="文本框 1">
             <a:extLst>
               <a:ext uri="{FF2B5EF4-FFF2-40B4-BE49-F238E27FC236}">
-                <a16:creationId xmlns:a16="http://schemas.microsoft.com/office/drawing/2014/main" xmlns="" id="{D377A53E-725C-074E-B57D-9C9405BBAF96}"/>
+                <a16:creationId xmlns:a16="http://schemas.microsoft.com/office/drawing/2014/main" id="{D377A53E-725C-074E-B57D-9C9405BBAF96}"/>
               </a:ext>
             </a:extLst>
           </p:cNvPr>
@@ -17748,12 +17348,6 @@
               </a:rPr>
               <a:t>训练数据</a:t>
             </a:r>
-            <a:endParaRPr lang="zh-CN" altLang="en-US" sz="2400" kern="0" dirty="0">
-              <a:solidFill>
-                <a:schemeClr val="bg1"/>
-              </a:solidFill>
-              <a:latin typeface="+mn-ea"/>
-            </a:endParaRPr>
           </a:p>
           <a:p>
             <a:pPr marL="285750" indent="-285750">
@@ -17850,13 +17444,13 @@
   <p:clrMapOvr>
     <a:masterClrMapping/>
   </p:clrMapOvr>
-  <p:transition xmlns:p14="http://schemas.microsoft.com/office/powerpoint/2010/main" spd="med" advClick="0" advTm="1000">
+  <p:transition spd="med" advClick="0" advTm="1000">
     <p:fade/>
   </p:transition>
   <p:timing>
     <p:tnLst>
       <p:par>
-        <p:cTn xmlns:p14="http://schemas.microsoft.com/office/powerpoint/2010/main" id="1" dur="indefinite" restart="never" nodeType="tmRoot">
+        <p:cTn id="1" dur="indefinite" restart="never" nodeType="tmRoot">
           <p:childTnLst>
             <p:seq concurrent="1" nextAc="seek">
               <p:cTn id="2" dur="indefinite" nodeType="mainSeq">
@@ -18264,7 +17858,7 @@
   <a:extraClrSchemeLst/>
   <a:extLst>
     <a:ext uri="{05A4C25C-085E-4340-85A3-A5531E510DB2}">
-      <thm15:themeFamily xmlns:thm15="http://schemas.microsoft.com/office/thememl/2012/main" xmlns="" name="hadoop-ppt" id="{E1A72254-C7BD-9B43-9E63-01D93D64C703}" vid="{758548D3-B0E5-9941-B399-0CA94C0815A7}"/>
+      <thm15:themeFamily xmlns:thm15="http://schemas.microsoft.com/office/thememl/2012/main" name="hadoop-ppt" id="{E1A72254-C7BD-9B43-9E63-01D93D64C703}" vid="{758548D3-B0E5-9941-B399-0CA94C0815A7}"/>
     </a:ext>
   </a:extLst>
 </a:theme>
@@ -18559,7 +18153,7 @@
   <a:extraClrSchemeLst/>
   <a:extLst>
     <a:ext uri="{05A4C25C-085E-4340-85A3-A5531E510DB2}">
-      <thm15:themeFamily xmlns:thm15="http://schemas.microsoft.com/office/thememl/2012/main" xmlns="" name="Office Theme" id="{62F939B6-93AF-4DB8-9C6B-D6C7DFDC589F}" vid="{4A3C46E8-61CC-4603-A589-7422A47A8E4A}"/>
+      <thm15:themeFamily xmlns:thm15="http://schemas.microsoft.com/office/thememl/2012/main" name="Office Theme" id="{62F939B6-93AF-4DB8-9C6B-D6C7DFDC589F}" vid="{4A3C46E8-61CC-4603-A589-7422A47A8E4A}"/>
     </a:ext>
   </a:extLst>
 </a:theme>
